--- a/Classes/Class_3/6_CPP_Basics_Pointers.pptx
+++ b/Classes/Class_3/6_CPP_Basics_Pointers.pptx
@@ -6431,7 +6431,7 @@
         <p:spPr>
           <a:xfrm>
             <a:off x="619760" y="2194560"/>
-            <a:ext cx="6832600" cy="4024125"/>
+            <a:ext cx="7787640" cy="4024125"/>
           </a:xfrm>
         </p:spPr>
         <p:txBody>
@@ -6442,7 +6442,15 @@
           <a:p>
             <a:r>
               <a:rPr lang="en-GB" sz="2400" dirty="0"/>
-              <a:t>Is an alias for something else.</a:t>
+              <a:t>Is an alias for something else. </a:t>
+            </a:r>
+            <a:r>
+              <a:rPr lang="en-GB" sz="2400" dirty="0">
+                <a:solidFill>
+                  <a:srgbClr val="FF0000"/>
+                </a:solidFill>
+              </a:rPr>
+              <a:t>Vehicle&amp; v2 = v1;</a:t>
             </a:r>
           </a:p>
           <a:p>
@@ -6594,7 +6602,7 @@
         <p:spPr>
           <a:xfrm>
             <a:off x="619760" y="2194560"/>
-            <a:ext cx="6832600" cy="4024125"/>
+            <a:ext cx="8879840" cy="4024125"/>
           </a:xfrm>
         </p:spPr>
         <p:txBody>
@@ -6605,7 +6613,31 @@
           <a:p>
             <a:r>
               <a:rPr lang="en-GB" sz="2400" dirty="0"/>
-              <a:t>An alias to something else.</a:t>
+              <a:t>An alias to something else. </a:t>
+            </a:r>
+            <a:r>
+              <a:rPr lang="en-GB" sz="2400" dirty="0">
+                <a:solidFill>
+                  <a:srgbClr val="FF0000"/>
+                </a:solidFill>
+              </a:rPr>
+              <a:t>Vehicle* </a:t>
+            </a:r>
+            <a:r>
+              <a:rPr lang="en-GB" sz="2400" dirty="0" err="1">
+                <a:solidFill>
+                  <a:srgbClr val="FF0000"/>
+                </a:solidFill>
+              </a:rPr>
+              <a:t>vp</a:t>
+            </a:r>
+            <a:r>
+              <a:rPr lang="en-GB" sz="2400" dirty="0">
+                <a:solidFill>
+                  <a:srgbClr val="FF0000"/>
+                </a:solidFill>
+              </a:rPr>
+              <a:t> = &amp;v1;</a:t>
             </a:r>
           </a:p>
           <a:p>
